--- a/slides/instruction/principleWindows_8.pptx
+++ b/slides/instruction/principleWindows_8.pptx
@@ -3458,7 +3458,7 @@
           <a:p>
             <a:fld id="{62B690D2-9F6C-4A40-B045-5871089CDE7B}" type="datetimeFigureOut">
               <a:rPr lang="zh-CN" altLang="en-US" smtClean="0"/>
-              <a:t>2020/11/16</a:t>
+              <a:t>2020/11/17</a:t>
             </a:fld>
             <a:endParaRPr lang="zh-CN" altLang="en-US"/>
           </a:p>
@@ -3771,13 +3771,24 @@
           <a:p>
             <a:r>
               <a:rPr lang="en-US" altLang="zh-CN" dirty="0"/>
-              <a:t>A message is an item of data that is sent to a specific destination. </a:t>
+              <a:t>A message is an item of data that is sent to a specific destination.  </a:t>
+            </a:r>
+            <a:r>
+              <a:rPr lang="en-US" altLang="zh-CN" dirty="0">
+                <a:solidFill>
+                  <a:srgbClr val="FF0000"/>
+                </a:solidFill>
+                <a:highlight>
+                  <a:srgbClr val="FFFF00"/>
+                </a:highlight>
+              </a:rPr>
+              <a:t>destination addressable</a:t>
             </a:r>
           </a:p>
           <a:p>
             <a:r>
               <a:rPr lang="en-US" altLang="zh-CN" dirty="0"/>
-              <a:t>An event is a signal emitted by a component upon reaching a given state.</a:t>
+              <a:t>An event is a signal emitted by a component upon reaching a given state. source addressable</a:t>
             </a:r>
             <a:endParaRPr lang="zh-CN" altLang="en-US" dirty="0"/>
           </a:p>
@@ -5545,7 +5556,7 @@
           <a:p>
             <a:fld id="{F0A08C6D-CA89-457F-88D7-56281A3E4E44}" type="datetimeFigureOut">
               <a:rPr lang="zh-CN" altLang="en-US" smtClean="0"/>
-              <a:t>2020/11/16</a:t>
+              <a:t>2020/11/17</a:t>
             </a:fld>
             <a:endParaRPr lang="zh-CN" altLang="en-US"/>
           </a:p>
@@ -11579,7 +11590,7 @@
                   </a:schemeClr>
                 </a:solidFill>
               </a:rPr>
-              <a:t>Windows</a:t>
+              <a:t>20202021726	</a:t>
             </a:r>
             <a:r>
               <a:rPr lang="zh-CN" altLang="en-US" sz="3200" dirty="0">
@@ -11589,8 +11600,53 @@
                   </a:schemeClr>
                 </a:solidFill>
               </a:rPr>
-              <a:t>编程实践</a:t>
-            </a:r>
+              <a:t>大数据分析与处理</a:t>
+            </a:r>
+            <a:br>
+              <a:rPr lang="en-US" altLang="zh-CN" sz="3200" dirty="0">
+                <a:solidFill>
+                  <a:schemeClr val="accent1">
+                    <a:lumMod val="75000"/>
+                  </a:schemeClr>
+                </a:solidFill>
+              </a:rPr>
+            </a:br>
+            <a:r>
+              <a:rPr lang="en-US" altLang="zh-CN" sz="3200" dirty="0">
+                <a:solidFill>
+                  <a:schemeClr val="accent1">
+                    <a:lumMod val="75000"/>
+                  </a:schemeClr>
+                </a:solidFill>
+              </a:rPr>
+              <a:t>20202021684	</a:t>
+            </a:r>
+            <a:r>
+              <a:rPr lang="zh-CN" altLang="en-US" sz="3200" dirty="0">
+                <a:solidFill>
+                  <a:schemeClr val="accent1">
+                    <a:lumMod val="75000"/>
+                  </a:schemeClr>
+                </a:solidFill>
+              </a:rPr>
+              <a:t>数据采集与物联网</a:t>
+            </a:r>
+            <a:br>
+              <a:rPr lang="zh-CN" altLang="en-US" sz="3200" dirty="0">
+                <a:solidFill>
+                  <a:schemeClr val="accent1">
+                    <a:lumMod val="75000"/>
+                  </a:schemeClr>
+                </a:solidFill>
+              </a:rPr>
+            </a:br>
+            <a:endParaRPr lang="zh-CN" altLang="en-US" sz="3200" dirty="0">
+              <a:solidFill>
+                <a:schemeClr val="accent1">
+                  <a:lumMod val="75000"/>
+                </a:schemeClr>
+              </a:solidFill>
+            </a:endParaRPr>
           </a:p>
         </p:txBody>
       </p:sp>
@@ -11756,6 +11812,106 @@
               </a:solidFill>
               <a:latin typeface="Consolas" panose="020B0609020204030204" pitchFamily="49" charset="0"/>
             </a:endParaRPr>
+          </a:p>
+        </p:txBody>
+      </p:sp>
+      <p:sp>
+        <p:nvSpPr>
+          <p:cNvPr id="3" name="矩形 2">
+            <a:extLst>
+              <a:ext uri="{FF2B5EF4-FFF2-40B4-BE49-F238E27FC236}">
+                <a16:creationId xmlns:a16="http://schemas.microsoft.com/office/drawing/2014/main" id="{73459A24-E5F0-4CD1-97DD-F276B518487F}"/>
+              </a:ext>
+            </a:extLst>
+          </p:cNvPr>
+          <p:cNvSpPr/>
+          <p:nvPr/>
+        </p:nvSpPr>
+        <p:spPr>
+          <a:xfrm>
+            <a:off x="245275" y="2291090"/>
+            <a:ext cx="7651587" cy="646331"/>
+          </a:xfrm>
+          <a:prstGeom prst="rect">
+            <a:avLst/>
+          </a:prstGeom>
+        </p:spPr>
+        <p:txBody>
+          <a:bodyPr wrap="square">
+            <a:spAutoFit/>
+          </a:bodyPr>
+          <a:lstStyle/>
+          <a:p>
+            <a:r>
+              <a:rPr lang="en-US" altLang="zh-CN" sz="1800" dirty="0">
+                <a:solidFill>
+                  <a:schemeClr val="bg2">
+                    <a:lumMod val="50000"/>
+                  </a:schemeClr>
+                </a:solidFill>
+                <a:latin typeface="Arial" panose="020B0604020202020204" pitchFamily="34" charset="0"/>
+                <a:cs typeface="Arial" panose="020B0604020202020204" pitchFamily="34" charset="0"/>
+              </a:rPr>
+              <a:t>A message is an item of data that is sent to </a:t>
+            </a:r>
+            <a:r>
+              <a:rPr lang="en-US" altLang="zh-CN" sz="1800" dirty="0">
+                <a:solidFill>
+                  <a:srgbClr val="FF0000"/>
+                </a:solidFill>
+                <a:latin typeface="Arial" panose="020B0604020202020204" pitchFamily="34" charset="0"/>
+                <a:cs typeface="Arial" panose="020B0604020202020204" pitchFamily="34" charset="0"/>
+              </a:rPr>
+              <a:t>a specific destination</a:t>
+            </a:r>
+            <a:r>
+              <a:rPr lang="en-US" altLang="zh-CN" sz="1800" dirty="0">
+                <a:solidFill>
+                  <a:schemeClr val="bg2">
+                    <a:lumMod val="50000"/>
+                  </a:schemeClr>
+                </a:solidFill>
+                <a:latin typeface="Arial" panose="020B0604020202020204" pitchFamily="34" charset="0"/>
+                <a:cs typeface="Arial" panose="020B0604020202020204" pitchFamily="34" charset="0"/>
+              </a:rPr>
+              <a:t>. </a:t>
+            </a:r>
+          </a:p>
+          <a:p>
+            <a:r>
+              <a:rPr lang="en-US" altLang="zh-CN" sz="1800" dirty="0">
+                <a:solidFill>
+                  <a:schemeClr val="bg2">
+                    <a:lumMod val="50000"/>
+                  </a:schemeClr>
+                </a:solidFill>
+                <a:latin typeface="Arial" panose="020B0604020202020204" pitchFamily="34" charset="0"/>
+                <a:cs typeface="Arial" panose="020B0604020202020204" pitchFamily="34" charset="0"/>
+              </a:rPr>
+              <a:t>An event is a signal emitted by </a:t>
+            </a:r>
+            <a:r>
+              <a:rPr lang="en-US" altLang="zh-CN" sz="1800" dirty="0">
+                <a:solidFill>
+                  <a:srgbClr val="FF0000"/>
+                </a:solidFill>
+                <a:latin typeface="Arial" panose="020B0604020202020204" pitchFamily="34" charset="0"/>
+                <a:cs typeface="Arial" panose="020B0604020202020204" pitchFamily="34" charset="0"/>
+              </a:rPr>
+              <a:t>a component </a:t>
+            </a:r>
+            <a:r>
+              <a:rPr lang="en-US" altLang="zh-CN" sz="1800" dirty="0">
+                <a:solidFill>
+                  <a:schemeClr val="bg2">
+                    <a:lumMod val="50000"/>
+                  </a:schemeClr>
+                </a:solidFill>
+                <a:latin typeface="Arial" panose="020B0604020202020204" pitchFamily="34" charset="0"/>
+                <a:cs typeface="Arial" panose="020B0604020202020204" pitchFamily="34" charset="0"/>
+              </a:rPr>
+              <a:t>upon reaching a given state.</a:t>
+            </a:r>
           </a:p>
         </p:txBody>
       </p:sp>
